--- a/Baocao/nopbai.pptx
+++ b/Baocao/nopbai.pptx
@@ -3261,7 +3261,7 @@
         <p:spPr>
           <a:xfrm>
             <a:off x="182878" y="1811364"/>
-            <a:ext cx="13415556" cy="2092881"/>
+            <a:ext cx="13415556" cy="1592744"/>
           </a:xfrm>
           <a:prstGeom prst="rect">
             <a:avLst/>
@@ -3316,33 +3316,6 @@
                 </a:solidFill>
               </a:rPr>
               <a:t>Thêm chức năng điểm danh sinh viên vắng</a:t>
-            </a:r>
-          </a:p>
-          <a:p>
-            <a:pPr marL="604517" lvl="1" indent="-302258">
-              <a:lnSpc>
-                <a:spcPts val="3900"/>
-              </a:lnSpc>
-              <a:buSzPct val="100000"/>
-              <a:buFont typeface="Arial"/>
-              <a:buChar char="•"/>
-              <a:defRPr sz="2700">
-                <a:solidFill>
-                  <a:srgbClr val="FEFEFE"/>
-                </a:solidFill>
-                <a:latin typeface="+mj-lt"/>
-                <a:ea typeface="+mj-ea"/>
-                <a:cs typeface="+mj-cs"/>
-                <a:sym typeface="Helvetica"/>
-              </a:defRPr>
-            </a:pPr>
-            <a:r>
-              <a:rPr lang="en-US" sz="3600">
-                <a:solidFill>
-                  <a:schemeClr val="tx1"/>
-                </a:solidFill>
-              </a:rPr>
-              <a:t>Thay thế thanh toán,chat bot bằng viet qr pro,spring ai</a:t>
             </a:r>
           </a:p>
           <a:p>
@@ -5224,36 +5197,6 @@
           </a:p>
         </p:txBody>
       </p:sp>
-      <p:pic>
-        <p:nvPicPr>
-          <p:cNvPr id="6" name="Picture 5">
-            <a:extLst>
-              <a:ext uri="{FF2B5EF4-FFF2-40B4-BE49-F238E27FC236}">
-                <a16:creationId xmlns:a16="http://schemas.microsoft.com/office/drawing/2014/main" id="{92C7BD7E-2E0B-90E2-1CB6-9120785722DA}"/>
-              </a:ext>
-            </a:extLst>
-          </p:cNvPr>
-          <p:cNvPicPr>
-            <a:picLocks noChangeAspect="1"/>
-          </p:cNvPicPr>
-          <p:nvPr/>
-        </p:nvPicPr>
-        <p:blipFill>
-          <a:blip r:embed="rId2"/>
-          <a:stretch>
-            <a:fillRect/>
-          </a:stretch>
-        </p:blipFill>
-        <p:spPr>
-          <a:xfrm>
-            <a:off x="6545178" y="1922329"/>
-            <a:ext cx="11742821" cy="6442342"/>
-          </a:xfrm>
-          <a:prstGeom prst="rect">
-            <a:avLst/>
-          </a:prstGeom>
-        </p:spPr>
-      </p:pic>
       <p:sp>
         <p:nvSpPr>
           <p:cNvPr id="8" name="TextBox 7">
@@ -5447,8 +5390,8 @@
         </p:nvSpPr>
         <p:spPr>
           <a:xfrm>
-            <a:off x="688988" y="5786935"/>
-            <a:ext cx="5510463" cy="1015663"/>
+            <a:off x="688988" y="5571564"/>
+            <a:ext cx="4291574" cy="1477328"/>
           </a:xfrm>
           <a:prstGeom prst="rect">
             <a:avLst/>
@@ -5501,11 +5444,14 @@
               </a:rPr>
               <a:t> Nổi bật tích hợp giám sát  camera hanet</a:t>
             </a:r>
-            <a:endParaRPr lang="en-US" sz="3600">
-              <a:solidFill>
-                <a:schemeClr val="tx1"/>
-              </a:solidFill>
-            </a:endParaRPr>
+            <a:r>
+              <a:rPr lang="en-US" sz="3600">
+                <a:solidFill>
+                  <a:schemeClr val="tx1"/>
+                </a:solidFill>
+              </a:rPr>
+              <a:t>.</a:t>
+            </a:r>
           </a:p>
         </p:txBody>
       </p:sp>
@@ -5608,8 +5554,8 @@
         </p:nvSpPr>
         <p:spPr>
           <a:xfrm>
-            <a:off x="642173" y="7856839"/>
-            <a:ext cx="5510463" cy="1015663"/>
+            <a:off x="688989" y="8413745"/>
+            <a:ext cx="4478370" cy="1015663"/>
           </a:xfrm>
           <a:prstGeom prst="rect">
             <a:avLst/>
@@ -5668,7 +5614,31 @@
                   <a:schemeClr val="tx1"/>
                 </a:solidFill>
               </a:rPr>
-              <a:t>Cạnh đó là tìm hiểu,sử dụng redis ,kafka</a:t>
+              <a:t>Cạnh đó là tìm hiểu,</a:t>
+            </a:r>
+          </a:p>
+          <a:p>
+            <a:pPr>
+              <a:lnSpc>
+                <a:spcPts val="3600"/>
+              </a:lnSpc>
+              <a:defRPr sz="2600">
+                <a:solidFill>
+                  <a:srgbClr val="94DDDE"/>
+                </a:solidFill>
+                <a:latin typeface="+mj-lt"/>
+                <a:ea typeface="+mj-ea"/>
+                <a:cs typeface="+mj-cs"/>
+                <a:sym typeface="Helvetica"/>
+              </a:defRPr>
+            </a:pPr>
+            <a:r>
+              <a:rPr lang="en-US" sz="3600">
+                <a:solidFill>
+                  <a:schemeClr val="tx1"/>
+                </a:solidFill>
+              </a:rPr>
+              <a:t>sử dụng redis ,kafka</a:t>
             </a:r>
           </a:p>
         </p:txBody>
@@ -5687,7 +5657,7 @@
         </p:nvSpPr>
         <p:spPr>
           <a:xfrm>
-            <a:off x="163532" y="8148758"/>
+            <a:off x="210347" y="8705664"/>
             <a:ext cx="431826" cy="431826"/>
           </a:xfrm>
           <a:custGeom>
@@ -5758,6 +5728,192 @@
           </a:p>
         </p:txBody>
       </p:sp>
+      <p:sp>
+        <p:nvSpPr>
+          <p:cNvPr id="2" name="TextBox 1">
+            <a:extLst>
+              <a:ext uri="{FF2B5EF4-FFF2-40B4-BE49-F238E27FC236}">
+                <a16:creationId xmlns:a16="http://schemas.microsoft.com/office/drawing/2014/main" id="{38DD3FDB-D005-E1EB-593B-8802F1474CB4}"/>
+              </a:ext>
+            </a:extLst>
+          </p:cNvPr>
+          <p:cNvSpPr txBox="1"/>
+          <p:nvPr/>
+        </p:nvSpPr>
+        <p:spPr>
+          <a:xfrm>
+            <a:off x="688988" y="7115802"/>
+            <a:ext cx="3941378" cy="1015663"/>
+          </a:xfrm>
+          <a:prstGeom prst="rect">
+            <a:avLst/>
+          </a:prstGeom>
+          <a:noFill/>
+          <a:ln w="12700" cap="flat">
+            <a:noFill/>
+            <a:miter lim="400000"/>
+          </a:ln>
+          <a:effectLst/>
+          <a:sp3d/>
+        </p:spPr>
+        <p:style>
+          <a:lnRef idx="0">
+            <a:scrgbClr r="0" g="0" b="0"/>
+          </a:lnRef>
+          <a:fillRef idx="0">
+            <a:scrgbClr r="0" g="0" b="0"/>
+          </a:fillRef>
+          <a:effectRef idx="0">
+            <a:scrgbClr r="0" g="0" b="0"/>
+          </a:effectRef>
+          <a:fontRef idx="none"/>
+        </p:style>
+        <p:txBody>
+          <a:bodyPr wrap="square">
+            <a:spAutoFit/>
+          </a:bodyPr>
+          <a:lstStyle/>
+          <a:p>
+            <a:pPr>
+              <a:lnSpc>
+                <a:spcPts val="3600"/>
+              </a:lnSpc>
+              <a:defRPr sz="2600">
+                <a:solidFill>
+                  <a:srgbClr val="94DDDE"/>
+                </a:solidFill>
+                <a:latin typeface="+mj-lt"/>
+                <a:ea typeface="+mj-ea"/>
+                <a:cs typeface="+mj-cs"/>
+                <a:sym typeface="Helvetica"/>
+              </a:defRPr>
+            </a:pPr>
+            <a:r>
+              <a:rPr lang="en-US" sz="3600">
+                <a:solidFill>
+                  <a:schemeClr val="tx1"/>
+                </a:solidFill>
+              </a:rPr>
+              <a:t>Thanh toán thật bằng Pay os</a:t>
+            </a:r>
+          </a:p>
+        </p:txBody>
+      </p:sp>
+      <p:sp>
+        <p:nvSpPr>
+          <p:cNvPr id="3" name="Freeform 3">
+            <a:extLst>
+              <a:ext uri="{FF2B5EF4-FFF2-40B4-BE49-F238E27FC236}">
+                <a16:creationId xmlns:a16="http://schemas.microsoft.com/office/drawing/2014/main" id="{721704DE-FBB2-FBEC-143A-99E048704A98}"/>
+              </a:ext>
+            </a:extLst>
+          </p:cNvPr>
+          <p:cNvSpPr/>
+          <p:nvPr/>
+        </p:nvSpPr>
+        <p:spPr>
+          <a:xfrm>
+            <a:off x="189135" y="7322499"/>
+            <a:ext cx="431826" cy="431826"/>
+          </a:xfrm>
+          <a:custGeom>
+            <a:avLst/>
+            <a:gdLst/>
+            <a:ahLst/>
+            <a:cxnLst>
+              <a:cxn ang="0">
+                <a:pos x="wd2" y="hd2"/>
+              </a:cxn>
+              <a:cxn ang="5400000">
+                <a:pos x="wd2" y="hd2"/>
+              </a:cxn>
+              <a:cxn ang="10800000">
+                <a:pos x="wd2" y="hd2"/>
+              </a:cxn>
+              <a:cxn ang="16200000">
+                <a:pos x="wd2" y="hd2"/>
+              </a:cxn>
+            </a:cxnLst>
+            <a:rect l="0" t="0" r="r" b="b"/>
+            <a:pathLst>
+              <a:path w="21600" h="21600" extrusionOk="0">
+                <a:moveTo>
+                  <a:pt x="21600" y="10800"/>
+                </a:moveTo>
+                <a:lnTo>
+                  <a:pt x="10800" y="0"/>
+                </a:lnTo>
+                <a:lnTo>
+                  <a:pt x="10800" y="5400"/>
+                </a:lnTo>
+                <a:lnTo>
+                  <a:pt x="0" y="5400"/>
+                </a:lnTo>
+                <a:lnTo>
+                  <a:pt x="0" y="16200"/>
+                </a:lnTo>
+                <a:lnTo>
+                  <a:pt x="10800" y="16200"/>
+                </a:lnTo>
+                <a:lnTo>
+                  <a:pt x="10800" y="21600"/>
+                </a:lnTo>
+                <a:lnTo>
+                  <a:pt x="21600" y="10800"/>
+                </a:lnTo>
+                <a:close/>
+              </a:path>
+            </a:pathLst>
+          </a:custGeom>
+          <a:solidFill>
+            <a:schemeClr val="tx1"/>
+          </a:solidFill>
+          <a:ln w="12700">
+            <a:miter lim="400000"/>
+          </a:ln>
+        </p:spPr>
+        <p:txBody>
+          <a:bodyPr lIns="45719" rIns="45719"/>
+          <a:lstStyle/>
+          <a:p>
+            <a:endParaRPr>
+              <a:solidFill>
+                <a:schemeClr val="tx1"/>
+              </a:solidFill>
+            </a:endParaRPr>
+          </a:p>
+        </p:txBody>
+      </p:sp>
+      <p:pic>
+        <p:nvPicPr>
+          <p:cNvPr id="6" name="Picture 5">
+            <a:extLst>
+              <a:ext uri="{FF2B5EF4-FFF2-40B4-BE49-F238E27FC236}">
+                <a16:creationId xmlns:a16="http://schemas.microsoft.com/office/drawing/2014/main" id="{5EB8E567-5C2E-94B6-5C86-8D6C7C3F3F18}"/>
+              </a:ext>
+            </a:extLst>
+          </p:cNvPr>
+          <p:cNvPicPr>
+            <a:picLocks noChangeAspect="1"/>
+          </p:cNvPicPr>
+          <p:nvPr/>
+        </p:nvPicPr>
+        <p:blipFill>
+          <a:blip r:embed="rId2"/>
+          <a:stretch>
+            <a:fillRect/>
+          </a:stretch>
+        </p:blipFill>
+        <p:spPr>
+          <a:xfrm>
+            <a:off x="5235385" y="2911637"/>
+            <a:ext cx="12863479" cy="6310536"/>
+          </a:xfrm>
+          <a:prstGeom prst="rect">
+            <a:avLst/>
+          </a:prstGeom>
+        </p:spPr>
+      </p:pic>
     </p:spTree>
   </p:cSld>
   <p:clrMapOvr>
@@ -5811,8 +5967,8 @@
         </p:nvSpPr>
         <p:spPr>
           <a:xfrm>
-            <a:off x="6902009" y="236156"/>
-            <a:ext cx="11578935" cy="8694964"/>
+            <a:off x="9892100" y="1564107"/>
+            <a:ext cx="5895626" cy="4330196"/>
           </a:xfrm>
           <a:prstGeom prst="rect">
             <a:avLst/>
@@ -5900,8 +6056,8 @@
         </p:nvSpPr>
         <p:spPr>
           <a:xfrm>
-            <a:off x="839387" y="2642265"/>
-            <a:ext cx="5802045" cy="4384983"/>
+            <a:off x="636038" y="2033927"/>
+            <a:ext cx="7759864" cy="3641190"/>
           </a:xfrm>
           <a:prstGeom prst="rect">
             <a:avLst/>
@@ -6128,6 +6284,266 @@
           </a:p>
         </p:txBody>
       </p:sp>
+      <p:sp>
+        <p:nvSpPr>
+          <p:cNvPr id="4" name="TextBox 3">
+            <a:extLst>
+              <a:ext uri="{FF2B5EF4-FFF2-40B4-BE49-F238E27FC236}">
+                <a16:creationId xmlns:a16="http://schemas.microsoft.com/office/drawing/2014/main" id="{B19A42DE-BF40-BB1F-3D48-DD087F875E17}"/>
+              </a:ext>
+            </a:extLst>
+          </p:cNvPr>
+          <p:cNvSpPr txBox="1"/>
+          <p:nvPr/>
+        </p:nvSpPr>
+        <p:spPr>
+          <a:xfrm>
+            <a:off x="407502" y="7074584"/>
+            <a:ext cx="14341642" cy="2989729"/>
+          </a:xfrm>
+          <a:prstGeom prst="rect">
+            <a:avLst/>
+          </a:prstGeom>
+          <a:noFill/>
+          <a:ln w="12700" cap="flat">
+            <a:noFill/>
+            <a:miter lim="400000"/>
+          </a:ln>
+          <a:effectLst/>
+          <a:sp3d/>
+        </p:spPr>
+        <p:style>
+          <a:lnRef idx="0">
+            <a:scrgbClr r="0" g="0" b="0"/>
+          </a:lnRef>
+          <a:fillRef idx="0">
+            <a:scrgbClr r="0" g="0" b="0"/>
+          </a:fillRef>
+          <a:effectRef idx="0">
+            <a:scrgbClr r="0" g="0" b="0"/>
+          </a:effectRef>
+          <a:fontRef idx="none"/>
+        </p:style>
+        <p:txBody>
+          <a:bodyPr wrap="square">
+            <a:spAutoFit/>
+          </a:bodyPr>
+          <a:lstStyle/>
+          <a:p>
+            <a:pPr>
+              <a:lnSpc>
+                <a:spcPts val="5800"/>
+              </a:lnSpc>
+              <a:defRPr sz="4200">
+                <a:solidFill>
+                  <a:srgbClr val="2B4B82"/>
+                </a:solidFill>
+                <a:latin typeface="+mj-lt"/>
+                <a:ea typeface="+mj-ea"/>
+                <a:cs typeface="+mj-cs"/>
+                <a:sym typeface="Helvetica"/>
+              </a:defRPr>
+            </a:pPr>
+            <a:r>
+              <a:rPr lang="vi-VN" sz="3600">
+                <a:latin typeface="Times New Roman" panose="02020603050405020304" pitchFamily="18" charset="0"/>
+                <a:cs typeface="Times New Roman" panose="02020603050405020304" pitchFamily="18" charset="0"/>
+              </a:rPr>
+              <a:t>Link STUDENT(TK:DH52006823 &amp;&amp; PASS:123456)</a:t>
+            </a:r>
+          </a:p>
+          <a:p>
+            <a:pPr>
+              <a:lnSpc>
+                <a:spcPts val="5800"/>
+              </a:lnSpc>
+              <a:defRPr sz="4200">
+                <a:solidFill>
+                  <a:srgbClr val="2B4B82"/>
+                </a:solidFill>
+                <a:latin typeface="+mj-lt"/>
+                <a:ea typeface="+mj-ea"/>
+                <a:cs typeface="+mj-cs"/>
+                <a:sym typeface="Helvetica"/>
+              </a:defRPr>
+            </a:pPr>
+            <a:r>
+              <a:rPr lang="vi-VN" sz="3600">
+                <a:latin typeface="Times New Roman" panose="02020603050405020304" pitchFamily="18" charset="0"/>
+                <a:cs typeface="Times New Roman" panose="02020603050405020304" pitchFamily="18" charset="0"/>
+                <a:hlinkClick r:id="rId2"/>
+              </a:rPr>
+              <a:t>http://frontend-ktxstustudent.s3-website-ap-southeast-2.amazonaws.com/</a:t>
+            </a:r>
+            <a:endParaRPr lang="vi-VN" sz="3600">
+              <a:latin typeface="Times New Roman" panose="02020603050405020304" pitchFamily="18" charset="0"/>
+              <a:cs typeface="Times New Roman" panose="02020603050405020304" pitchFamily="18" charset="0"/>
+            </a:endParaRPr>
+          </a:p>
+          <a:p>
+            <a:pPr>
+              <a:lnSpc>
+                <a:spcPts val="5800"/>
+              </a:lnSpc>
+              <a:defRPr sz="4200">
+                <a:solidFill>
+                  <a:srgbClr val="2B4B82"/>
+                </a:solidFill>
+                <a:latin typeface="+mj-lt"/>
+                <a:ea typeface="+mj-ea"/>
+                <a:cs typeface="+mj-cs"/>
+                <a:sym typeface="Helvetica"/>
+              </a:defRPr>
+            </a:pPr>
+            <a:r>
+              <a:rPr lang="vi-VN" sz="3600">
+                <a:latin typeface="Times New Roman" panose="02020603050405020304" pitchFamily="18" charset="0"/>
+                <a:cs typeface="Times New Roman" panose="02020603050405020304" pitchFamily="18" charset="0"/>
+              </a:rPr>
+              <a:t>Link ADMIN(TK:ADMIN1 &amp;&amp; Pass:123456)</a:t>
+            </a:r>
+          </a:p>
+          <a:p>
+            <a:pPr>
+              <a:lnSpc>
+                <a:spcPts val="5800"/>
+              </a:lnSpc>
+              <a:defRPr sz="4200">
+                <a:solidFill>
+                  <a:srgbClr val="2B4B82"/>
+                </a:solidFill>
+                <a:latin typeface="+mj-lt"/>
+                <a:ea typeface="+mj-ea"/>
+                <a:cs typeface="+mj-cs"/>
+                <a:sym typeface="Helvetica"/>
+              </a:defRPr>
+            </a:pPr>
+            <a:r>
+              <a:rPr lang="vi-VN" sz="3600">
+                <a:latin typeface="Times New Roman" panose="02020603050405020304" pitchFamily="18" charset="0"/>
+                <a:cs typeface="Times New Roman" panose="02020603050405020304" pitchFamily="18" charset="0"/>
+                <a:hlinkClick r:id="rId3"/>
+              </a:rPr>
+              <a:t>http://frontend-ktxstuadmin.s3-website-ap-southeast-2.amazonaws.com/</a:t>
+            </a:r>
+            <a:endParaRPr lang="vi-VN" sz="3600">
+              <a:latin typeface="Times New Roman" panose="02020603050405020304" pitchFamily="18" charset="0"/>
+              <a:cs typeface="Times New Roman" panose="02020603050405020304" pitchFamily="18" charset="0"/>
+            </a:endParaRPr>
+          </a:p>
+        </p:txBody>
+      </p:sp>
+      <p:pic>
+        <p:nvPicPr>
+          <p:cNvPr id="6" name="Picture 5">
+            <a:extLst>
+              <a:ext uri="{FF2B5EF4-FFF2-40B4-BE49-F238E27FC236}">
+                <a16:creationId xmlns:a16="http://schemas.microsoft.com/office/drawing/2014/main" id="{BFBD8543-215E-E282-F55D-BB09D6A1CE83}"/>
+              </a:ext>
+            </a:extLst>
+          </p:cNvPr>
+          <p:cNvPicPr>
+            <a:picLocks noChangeAspect="1"/>
+          </p:cNvPicPr>
+          <p:nvPr/>
+        </p:nvPicPr>
+        <p:blipFill>
+          <a:blip r:embed="rId4">
+            <a:extLst>
+              <a:ext uri="{28A0092B-C50C-407E-A947-70E740481C1C}">
+                <a14:useLocalDpi xmlns:a14="http://schemas.microsoft.com/office/drawing/2010/main" val="0"/>
+              </a:ext>
+            </a:extLst>
+          </a:blip>
+          <a:stretch>
+            <a:fillRect/>
+          </a:stretch>
+        </p:blipFill>
+        <p:spPr>
+          <a:xfrm>
+            <a:off x="0" y="1255170"/>
+            <a:ext cx="5991726" cy="5991726"/>
+          </a:xfrm>
+          <a:prstGeom prst="rect">
+            <a:avLst/>
+          </a:prstGeom>
+        </p:spPr>
+      </p:pic>
+      <p:cxnSp>
+        <p:nvCxnSpPr>
+          <p:cNvPr id="8" name="Straight Connector 7">
+            <a:extLst>
+              <a:ext uri="{FF2B5EF4-FFF2-40B4-BE49-F238E27FC236}">
+                <a16:creationId xmlns:a16="http://schemas.microsoft.com/office/drawing/2014/main" id="{E558DFEE-C2C0-D794-DFA7-DEA09CAE7B49}"/>
+              </a:ext>
+            </a:extLst>
+          </p:cNvPr>
+          <p:cNvCxnSpPr>
+            <a:cxnSpLocks/>
+          </p:cNvCxnSpPr>
+          <p:nvPr/>
+        </p:nvCxnSpPr>
+        <p:spPr>
+          <a:xfrm>
+            <a:off x="9192126" y="2213811"/>
+            <a:ext cx="0" cy="4587917"/>
+          </a:xfrm>
+          <a:prstGeom prst="line">
+            <a:avLst/>
+          </a:prstGeom>
+          <a:ln/>
+        </p:spPr>
+        <p:style>
+          <a:lnRef idx="1">
+            <a:schemeClr val="dk1"/>
+          </a:lnRef>
+          <a:fillRef idx="0">
+            <a:schemeClr val="dk1"/>
+          </a:fillRef>
+          <a:effectRef idx="0">
+            <a:schemeClr val="dk1"/>
+          </a:effectRef>
+          <a:fontRef idx="minor">
+            <a:schemeClr val="tx1"/>
+          </a:fontRef>
+        </p:style>
+      </p:cxnSp>
+      <p:pic>
+        <p:nvPicPr>
+          <p:cNvPr id="12" name="Picture 11">
+            <a:extLst>
+              <a:ext uri="{FF2B5EF4-FFF2-40B4-BE49-F238E27FC236}">
+                <a16:creationId xmlns:a16="http://schemas.microsoft.com/office/drawing/2014/main" id="{3CCBB9C2-F7E6-1E93-3520-D47C42B92809}"/>
+              </a:ext>
+            </a:extLst>
+          </p:cNvPr>
+          <p:cNvPicPr>
+            <a:picLocks noChangeAspect="1"/>
+          </p:cNvPicPr>
+          <p:nvPr/>
+        </p:nvPicPr>
+        <p:blipFill>
+          <a:blip r:embed="rId5">
+            <a:extLst>
+              <a:ext uri="{28A0092B-C50C-407E-A947-70E740481C1C}">
+                <a14:useLocalDpi xmlns:a14="http://schemas.microsoft.com/office/drawing/2010/main" val="0"/>
+              </a:ext>
+            </a:extLst>
+          </a:blip>
+          <a:stretch>
+            <a:fillRect/>
+          </a:stretch>
+        </p:blipFill>
+        <p:spPr>
+          <a:xfrm>
+            <a:off x="12254843" y="1694941"/>
+            <a:ext cx="5625655" cy="5625655"/>
+          </a:xfrm>
+          <a:prstGeom prst="rect">
+            <a:avLst/>
+          </a:prstGeom>
+        </p:spPr>
+      </p:pic>
     </p:spTree>
     <p:extLst>
       <p:ext uri="{BB962C8B-B14F-4D97-AF65-F5344CB8AC3E}">
